--- a/docs/diagrams/Zack.pptx
+++ b/docs/diagrams/Zack.pptx
@@ -8394,7 +8394,7 @@
         </p:nvCxnSpPr>
         <p:spPr>
           <a:xfrm>
-            <a:off x="3849603" y="1590466"/>
+            <a:off x="3849603" y="1600298"/>
             <a:ext cx="7332" cy="6111449"/>
           </a:xfrm>
           <a:prstGeom prst="line">
@@ -8431,7 +8431,7 @@
         </p:nvSpPr>
         <p:spPr>
           <a:xfrm>
-            <a:off x="3773403" y="1314463"/>
+            <a:off x="3773403" y="1324295"/>
             <a:ext cx="152400" cy="276003"/>
           </a:xfrm>
           <a:prstGeom prst="rect">
@@ -8843,7 +8843,7 @@
         </p:nvSpPr>
         <p:spPr>
           <a:xfrm>
-            <a:off x="3718698" y="7632274"/>
+            <a:off x="3738362" y="7671602"/>
             <a:ext cx="258404" cy="261610"/>
           </a:xfrm>
           <a:prstGeom prst="rect">
@@ -9300,7 +9300,7 @@
         </p:nvCxnSpPr>
         <p:spPr>
           <a:xfrm>
-            <a:off x="2313204" y="1582030"/>
+            <a:off x="2313204" y="1591862"/>
             <a:ext cx="1485217" cy="2711"/>
           </a:xfrm>
           <a:prstGeom prst="straightConnector1">
@@ -10089,7 +10089,7 @@
         </p:nvSpPr>
         <p:spPr>
           <a:xfrm>
-            <a:off x="3965706" y="3527132"/>
+            <a:off x="4026666" y="3527132"/>
             <a:ext cx="1423782" cy="184666"/>
           </a:xfrm>
           <a:prstGeom prst="rect">
@@ -10235,7 +10235,7 @@
         </p:nvSpPr>
         <p:spPr>
           <a:xfrm>
-            <a:off x="2550973" y="4574341"/>
+            <a:off x="2550973" y="4536241"/>
             <a:ext cx="5488179" cy="2349204"/>
           </a:xfrm>
           <a:prstGeom prst="rect">
@@ -10282,7 +10282,7 @@
         </p:nvSpPr>
         <p:spPr>
           <a:xfrm>
-            <a:off x="2286569" y="4831045"/>
+            <a:off x="2286569" y="4792945"/>
             <a:ext cx="1529858" cy="184666"/>
           </a:xfrm>
           <a:prstGeom prst="rect">
@@ -10382,8 +10382,8 @@
         </p:nvSpPr>
         <p:spPr>
           <a:xfrm>
-            <a:off x="3980946" y="4030052"/>
-            <a:ext cx="1423782" cy="184666"/>
+            <a:off x="4011426" y="4030052"/>
+            <a:ext cx="1534846" cy="184666"/>
           </a:xfrm>
           <a:prstGeom prst="rect">
             <a:avLst/>
@@ -10416,7 +10416,7 @@
                   </a:schemeClr>
                 </a:solidFill>
               </a:rPr>
-              <a:t>checkFileExist()</a:t>
+              <a:t>checkFileExist(String)</a:t>
             </a:r>
             <a:endParaRPr lang="en-US" sz="1200" dirty="0">
               <a:solidFill>
@@ -10713,8 +10713,8 @@
         </p:nvSpPr>
         <p:spPr>
           <a:xfrm>
-            <a:off x="3980946" y="4580282"/>
-            <a:ext cx="1423782" cy="184666"/>
+            <a:off x="3980945" y="4580282"/>
+            <a:ext cx="1798501" cy="184666"/>
           </a:xfrm>
           <a:prstGeom prst="rect">
             <a:avLst/>
@@ -10747,7 +10747,7 @@
                   </a:schemeClr>
                 </a:solidFill>
               </a:rPr>
-              <a:t>saveToAssets()</a:t>
+              <a:t>saveToAssets(Image, String)</a:t>
             </a:r>
             <a:endParaRPr lang="en-US" sz="1200" dirty="0">
               <a:solidFill>
@@ -11126,7 +11126,7 @@
         <p:spPr>
           <a:xfrm>
             <a:off x="3970353" y="4937967"/>
-            <a:ext cx="1423782" cy="184666"/>
+            <a:ext cx="1647542" cy="184666"/>
           </a:xfrm>
           <a:prstGeom prst="rect">
             <a:avLst/>
@@ -11157,7 +11157,7 @@
                   <a:srgbClr val="7030A0"/>
                 </a:solidFill>
               </a:rPr>
-              <a:t>overwriteOriginal()</a:t>
+              <a:t>overwriteOriginal(String)</a:t>
             </a:r>
             <a:endParaRPr lang="en-US" sz="1200" dirty="0">
               <a:solidFill>
@@ -11510,7 +11510,7 @@
         </p:nvSpPr>
         <p:spPr>
           <a:xfrm>
-            <a:off x="6299950" y="1158990"/>
+            <a:off x="6299950" y="1208150"/>
             <a:ext cx="1423782" cy="184666"/>
           </a:xfrm>
           <a:prstGeom prst="rect">
@@ -11572,7 +11572,7 @@
         </p:nvCxnSpPr>
         <p:spPr>
           <a:xfrm flipV="1">
-            <a:off x="3918164" y="1451870"/>
+            <a:off x="3918164" y="1501030"/>
             <a:ext cx="3765251" cy="30885"/>
           </a:xfrm>
           <a:prstGeom prst="straightConnector1">
@@ -11618,7 +11618,7 @@
         </p:nvSpPr>
         <p:spPr>
           <a:xfrm>
-            <a:off x="7685286" y="1350750"/>
+            <a:off x="7685286" y="1399910"/>
             <a:ext cx="210645" cy="111950"/>
           </a:xfrm>
           <a:prstGeom prst="rect">
@@ -11832,7 +11832,7 @@
         </p:nvSpPr>
         <p:spPr>
           <a:xfrm flipV="1">
-            <a:off x="2549952" y="4573599"/>
+            <a:off x="2549952" y="4535499"/>
             <a:ext cx="396000" cy="252000"/>
           </a:xfrm>
           <a:prstGeom prst="snip1Rect">
@@ -12334,7 +12334,7 @@
         </p:nvCxnSpPr>
         <p:spPr>
           <a:xfrm flipV="1">
-            <a:off x="3822523" y="1350750"/>
+            <a:off x="3822523" y="1399910"/>
             <a:ext cx="3876646" cy="29380"/>
           </a:xfrm>
           <a:prstGeom prst="straightConnector1">
@@ -12474,8 +12474,8 @@
         </p:nvSpPr>
         <p:spPr>
           <a:xfrm>
-            <a:off x="2393967" y="4597089"/>
-            <a:ext cx="688846" cy="184666"/>
+            <a:off x="2613715" y="4552705"/>
+            <a:ext cx="258174" cy="184666"/>
           </a:xfrm>
           <a:prstGeom prst="rect">
             <a:avLst/>

--- a/docs/diagrams/Zack.pptx
+++ b/docs/diagrams/Zack.pptx
@@ -8112,7 +8112,7 @@
         <p:spPr>
           <a:xfrm>
             <a:off x="4624125" y="-1"/>
-            <a:ext cx="6020560" cy="8044405"/>
+            <a:ext cx="4542129" cy="8044405"/>
           </a:xfrm>
           <a:prstGeom prst="roundRect">
             <a:avLst>

--- a/docs/diagrams/Zack.pptx
+++ b/docs/diagrams/Zack.pptx
@@ -261,7 +261,7 @@
           <a:p>
             <a:fld id="{A995DD06-FA5B-3C4A-9EC2-FFA80E37B40D}" type="datetimeFigureOut">
               <a:rPr lang="en-US" smtClean="0"/>
-              <a:t>4/14/2019</a:t>
+              <a:t>4/15/2019</a:t>
             </a:fld>
             <a:endParaRPr lang="en-US"/>
           </a:p>
@@ -459,7 +459,7 @@
           <a:p>
             <a:fld id="{A995DD06-FA5B-3C4A-9EC2-FFA80E37B40D}" type="datetimeFigureOut">
               <a:rPr lang="en-US" smtClean="0"/>
-              <a:t>4/14/2019</a:t>
+              <a:t>4/15/2019</a:t>
             </a:fld>
             <a:endParaRPr lang="en-US"/>
           </a:p>
@@ -667,7 +667,7 @@
           <a:p>
             <a:fld id="{A995DD06-FA5B-3C4A-9EC2-FFA80E37B40D}" type="datetimeFigureOut">
               <a:rPr lang="en-US" smtClean="0"/>
-              <a:t>4/14/2019</a:t>
+              <a:t>4/15/2019</a:t>
             </a:fld>
             <a:endParaRPr lang="en-US"/>
           </a:p>
@@ -865,7 +865,7 @@
           <a:p>
             <a:fld id="{A995DD06-FA5B-3C4A-9EC2-FFA80E37B40D}" type="datetimeFigureOut">
               <a:rPr lang="en-US" smtClean="0"/>
-              <a:t>4/14/2019</a:t>
+              <a:t>4/15/2019</a:t>
             </a:fld>
             <a:endParaRPr lang="en-US"/>
           </a:p>
@@ -1140,7 +1140,7 @@
           <a:p>
             <a:fld id="{A995DD06-FA5B-3C4A-9EC2-FFA80E37B40D}" type="datetimeFigureOut">
               <a:rPr lang="en-US" smtClean="0"/>
-              <a:t>4/14/2019</a:t>
+              <a:t>4/15/2019</a:t>
             </a:fld>
             <a:endParaRPr lang="en-US"/>
           </a:p>
@@ -1405,7 +1405,7 @@
           <a:p>
             <a:fld id="{A995DD06-FA5B-3C4A-9EC2-FFA80E37B40D}" type="datetimeFigureOut">
               <a:rPr lang="en-US" smtClean="0"/>
-              <a:t>4/14/2019</a:t>
+              <a:t>4/15/2019</a:t>
             </a:fld>
             <a:endParaRPr lang="en-US"/>
           </a:p>
@@ -1817,7 +1817,7 @@
           <a:p>
             <a:fld id="{A995DD06-FA5B-3C4A-9EC2-FFA80E37B40D}" type="datetimeFigureOut">
               <a:rPr lang="en-US" smtClean="0"/>
-              <a:t>4/14/2019</a:t>
+              <a:t>4/15/2019</a:t>
             </a:fld>
             <a:endParaRPr lang="en-US"/>
           </a:p>
@@ -1958,7 +1958,7 @@
           <a:p>
             <a:fld id="{A995DD06-FA5B-3C4A-9EC2-FFA80E37B40D}" type="datetimeFigureOut">
               <a:rPr lang="en-US" smtClean="0"/>
-              <a:t>4/14/2019</a:t>
+              <a:t>4/15/2019</a:t>
             </a:fld>
             <a:endParaRPr lang="en-US"/>
           </a:p>
@@ -2071,7 +2071,7 @@
           <a:p>
             <a:fld id="{A995DD06-FA5B-3C4A-9EC2-FFA80E37B40D}" type="datetimeFigureOut">
               <a:rPr lang="en-US" smtClean="0"/>
-              <a:t>4/14/2019</a:t>
+              <a:t>4/15/2019</a:t>
             </a:fld>
             <a:endParaRPr lang="en-US"/>
           </a:p>
@@ -2382,7 +2382,7 @@
           <a:p>
             <a:fld id="{A995DD06-FA5B-3C4A-9EC2-FFA80E37B40D}" type="datetimeFigureOut">
               <a:rPr lang="en-US" smtClean="0"/>
-              <a:t>4/14/2019</a:t>
+              <a:t>4/15/2019</a:t>
             </a:fld>
             <a:endParaRPr lang="en-US"/>
           </a:p>
@@ -2670,7 +2670,7 @@
           <a:p>
             <a:fld id="{A995DD06-FA5B-3C4A-9EC2-FFA80E37B40D}" type="datetimeFigureOut">
               <a:rPr lang="en-US" smtClean="0"/>
-              <a:t>4/14/2019</a:t>
+              <a:t>4/15/2019</a:t>
             </a:fld>
             <a:endParaRPr lang="en-US"/>
           </a:p>
@@ -2911,7 +2911,7 @@
           <a:p>
             <a:fld id="{A995DD06-FA5B-3C4A-9EC2-FFA80E37B40D}" type="datetimeFigureOut">
               <a:rPr lang="en-US" smtClean="0"/>
-              <a:t>4/14/2019</a:t>
+              <a:t>4/15/2019</a:t>
             </a:fld>
             <a:endParaRPr lang="en-US"/>
           </a:p>
@@ -9486,7 +9486,7 @@
         </p:nvSpPr>
         <p:spPr>
           <a:xfrm>
-            <a:off x="3584368" y="2405847"/>
+            <a:off x="3997170" y="2396054"/>
             <a:ext cx="1423782" cy="184666"/>
           </a:xfrm>
           <a:prstGeom prst="rect">
@@ -9517,7 +9517,7 @@
                   <a:srgbClr val="7030A0"/>
                 </a:solidFill>
               </a:rPr>
-              <a:t>tempImgExist()</a:t>
+              <a:t>tempImgDoNotExist()</a:t>
             </a:r>
             <a:endParaRPr lang="en-US" sz="1200" dirty="0">
               <a:solidFill>
